--- a/AndroidFinal.pptx
+++ b/AndroidFinal.pptx
@@ -9074,11 +9074,11 @@
   <p:clrMapOvr>
     <a:masterClrMapping/>
   </p:clrMapOvr>
-  <mc:AlternateContent xmlns:mc="http://schemas.openxmlformats.org/markup-compatibility/2006" xmlns:p14="http://schemas.microsoft.com/office/powerpoint/2010/main">
-    <mc:Choice Requires="p14">
-      <p:transition p14:dur="0"/>
+  <mc:AlternateContent xmlns:mc="http://schemas.openxmlformats.org/markup-compatibility/2006">
+    <mc:Choice xmlns:p14="http://schemas.microsoft.com/office/powerpoint/2010/main" Requires="p14">
+      <p:transition p14:dur="10"/>
     </mc:Choice>
-    <mc:Fallback xmlns="">
+    <mc:Fallback>
       <p:transition/>
     </mc:Fallback>
   </mc:AlternateContent>
@@ -15477,7 +15477,7 @@
         </p:nvSpPr>
         <p:spPr>
           <a:xfrm>
-            <a:off x="3175000" y="2978536"/>
+            <a:off x="3038020" y="2968270"/>
             <a:ext cx="5680530" cy="923330"/>
           </a:xfrm>
           <a:prstGeom prst="rect">
@@ -18736,6 +18736,59 @@
                       </p:childTnLst>
                     </p:cTn>
                   </p:par>
+                  <p:par>
+                    <p:cTn id="8" fill="hold">
+                      <p:stCondLst>
+                        <p:cond delay="indefinite"/>
+                      </p:stCondLst>
+                      <p:childTnLst>
+                        <p:par>
+                          <p:cTn id="9" fill="hold">
+                            <p:stCondLst>
+                              <p:cond delay="0"/>
+                            </p:stCondLst>
+                            <p:childTnLst>
+                              <p:par>
+                                <p:cTn id="10" presetID="10" presetClass="entr" presetSubtype="0" fill="hold" grpId="0" nodeType="clickEffect">
+                                  <p:stCondLst>
+                                    <p:cond delay="0"/>
+                                  </p:stCondLst>
+                                  <p:childTnLst>
+                                    <p:set>
+                                      <p:cBhvr>
+                                        <p:cTn id="11" dur="1" fill="hold">
+                                          <p:stCondLst>
+                                            <p:cond delay="0"/>
+                                          </p:stCondLst>
+                                        </p:cTn>
+                                        <p:tgtEl>
+                                          <p:spTgt spid="27"/>
+                                        </p:tgtEl>
+                                        <p:attrNameLst>
+                                          <p:attrName>style.visibility</p:attrName>
+                                        </p:attrNameLst>
+                                      </p:cBhvr>
+                                      <p:to>
+                                        <p:strVal val="visible"/>
+                                      </p:to>
+                                    </p:set>
+                                    <p:animEffect transition="in" filter="fade">
+                                      <p:cBhvr>
+                                        <p:cTn id="12" dur="500"/>
+                                        <p:tgtEl>
+                                          <p:spTgt spid="27"/>
+                                        </p:tgtEl>
+                                      </p:cBhvr>
+                                    </p:animEffect>
+                                  </p:childTnLst>
+                                </p:cTn>
+                              </p:par>
+                            </p:childTnLst>
+                          </p:cTn>
+                        </p:par>
+                      </p:childTnLst>
+                    </p:cTn>
+                  </p:par>
                 </p:childTnLst>
               </p:cTn>
               <p:prevCondLst>
@@ -18759,6 +18812,7 @@
     </p:tnLst>
     <p:bldLst>
       <p:bldP spid="23" grpId="0" bldLvl="0"/>
+      <p:bldP spid="27" grpId="0"/>
     </p:bldLst>
   </p:timing>
 </p:sld>
@@ -20059,7 +20113,7 @@
                 <a:defRPr/>
               </a:pPr>
               <a:r>
-                <a:rPr kumimoji="0" lang="en-US" altLang="zh-CN" sz="3200" b="1" i="0" u="none" strike="noStrike" kern="1200" cap="none" spc="0" normalizeH="0" baseline="0" noProof="0" dirty="0">
+                <a:rPr kumimoji="0" lang="en-US" altLang="zh-CN" sz="3200" b="1" i="0" u="none" strike="noStrike" kern="1200" cap="none" spc="0" normalizeH="0" baseline="0" noProof="0" smtClean="0">
                   <a:ln>
                     <a:noFill/>
                   </a:ln>
@@ -20080,7 +20134,7 @@
                   <a:cs typeface="+mn-ea"/>
                   <a:sym typeface="+mn-lt"/>
                 </a:rPr>
-                <a:t>03</a:t>
+                <a:t>04</a:t>
               </a:r>
               <a:endParaRPr kumimoji="0" lang="zh-CN" altLang="en-US" sz="3200" b="1" i="0" u="none" strike="noStrike" kern="1200" cap="none" spc="0" normalizeH="0" baseline="0" noProof="0" dirty="0">
                 <a:ln>
